--- a/AdvOS/PPT+papers/L03-GPU.pptx
+++ b/AdvOS/PPT+papers/L03-GPU.pptx
@@ -289,7 +289,7 @@
             <a:fld id="{21FA232E-0D23-E744-A2E7-48CC2B10A8E9}" type="datetimeFigureOut">
               <a:rPr kumimoji="1" lang="zh-CN" altLang="en-US" smtClean="0"/>
               <a:pPr/>
-              <a:t>2020/4/21</a:t>
+              <a:t>2020/4/22</a:t>
             </a:fld>
             <a:endParaRPr kumimoji="1" lang="zh-CN" altLang="en-US"/>
           </a:p>
@@ -4667,7 +4667,7 @@
             <a:fld id="{530820CF-B880-4189-942D-D702A7CBA730}" type="datetimeFigureOut">
               <a:rPr lang="zh-CN" altLang="en-US" smtClean="0"/>
               <a:pPr/>
-              <a:t>2020/4/21</a:t>
+              <a:t>2020/4/22</a:t>
             </a:fld>
             <a:endParaRPr lang="zh-CN" altLang="en-US"/>
           </a:p>
@@ -5000,7 +5000,7 @@
             <a:fld id="{530820CF-B880-4189-942D-D702A7CBA730}" type="datetimeFigureOut">
               <a:rPr lang="zh-CN" altLang="en-US" smtClean="0"/>
               <a:pPr/>
-              <a:t>2020/4/21</a:t>
+              <a:t>2020/4/22</a:t>
             </a:fld>
             <a:endParaRPr lang="zh-CN" altLang="en-US"/>
           </a:p>
@@ -5189,7 +5189,7 @@
             <a:fld id="{530820CF-B880-4189-942D-D702A7CBA730}" type="datetimeFigureOut">
               <a:rPr lang="zh-CN" altLang="en-US" smtClean="0"/>
               <a:pPr/>
-              <a:t>2020/4/21</a:t>
+              <a:t>2020/4/22</a:t>
             </a:fld>
             <a:endParaRPr lang="zh-CN" altLang="en-US"/>
           </a:p>
@@ -5388,7 +5388,7 @@
             <a:fld id="{530820CF-B880-4189-942D-D702A7CBA730}" type="datetimeFigureOut">
               <a:rPr lang="zh-CN" altLang="en-US" smtClean="0"/>
               <a:pPr/>
-              <a:t>2020/4/21</a:t>
+              <a:t>2020/4/22</a:t>
             </a:fld>
             <a:endParaRPr lang="zh-CN" altLang="en-US"/>
           </a:p>
@@ -5641,7 +5641,7 @@
             <a:fld id="{EF50BAF8-1120-4869-B1EC-9D010EF77D65}" type="datetimeFigureOut">
               <a:rPr lang="zh-CN" altLang="en-US" smtClean="0"/>
               <a:pPr/>
-              <a:t>2020/4/21</a:t>
+              <a:t>2020/4/22</a:t>
             </a:fld>
             <a:endParaRPr lang="zh-CN" altLang="en-US"/>
           </a:p>
@@ -5815,7 +5815,7 @@
             <a:fld id="{EF50BAF8-1120-4869-B1EC-9D010EF77D65}" type="datetimeFigureOut">
               <a:rPr lang="zh-CN" altLang="en-US" smtClean="0"/>
               <a:pPr/>
-              <a:t>2020/4/21</a:t>
+              <a:t>2020/4/22</a:t>
             </a:fld>
             <a:endParaRPr lang="zh-CN" altLang="en-US"/>
           </a:p>
@@ -6062,7 +6062,7 @@
             <a:fld id="{EF50BAF8-1120-4869-B1EC-9D010EF77D65}" type="datetimeFigureOut">
               <a:rPr lang="zh-CN" altLang="en-US" smtClean="0"/>
               <a:pPr/>
-              <a:t>2020/4/21</a:t>
+              <a:t>2020/4/22</a:t>
             </a:fld>
             <a:endParaRPr lang="zh-CN" altLang="en-US"/>
           </a:p>
@@ -6349,7 +6349,7 @@
             <a:fld id="{EF50BAF8-1120-4869-B1EC-9D010EF77D65}" type="datetimeFigureOut">
               <a:rPr lang="zh-CN" altLang="en-US" smtClean="0"/>
               <a:pPr/>
-              <a:t>2020/4/21</a:t>
+              <a:t>2020/4/22</a:t>
             </a:fld>
             <a:endParaRPr lang="zh-CN" altLang="en-US"/>
           </a:p>
@@ -6770,7 +6770,7 @@
             <a:fld id="{EF50BAF8-1120-4869-B1EC-9D010EF77D65}" type="datetimeFigureOut">
               <a:rPr lang="zh-CN" altLang="en-US" smtClean="0"/>
               <a:pPr/>
-              <a:t>2020/4/21</a:t>
+              <a:t>2020/4/22</a:t>
             </a:fld>
             <a:endParaRPr lang="zh-CN" altLang="en-US"/>
           </a:p>
@@ -6889,7 +6889,7 @@
             <a:fld id="{EF50BAF8-1120-4869-B1EC-9D010EF77D65}" type="datetimeFigureOut">
               <a:rPr lang="zh-CN" altLang="en-US" smtClean="0"/>
               <a:pPr/>
-              <a:t>2020/4/21</a:t>
+              <a:t>2020/4/22</a:t>
             </a:fld>
             <a:endParaRPr lang="zh-CN" altLang="en-US"/>
           </a:p>
@@ -6986,7 +6986,7 @@
             <a:fld id="{EF50BAF8-1120-4869-B1EC-9D010EF77D65}" type="datetimeFigureOut">
               <a:rPr lang="zh-CN" altLang="en-US" smtClean="0"/>
               <a:pPr/>
-              <a:t>2020/4/21</a:t>
+              <a:t>2020/4/22</a:t>
             </a:fld>
             <a:endParaRPr lang="zh-CN" altLang="en-US"/>
           </a:p>
@@ -7822,7 +7822,7 @@
             <a:fld id="{EF50BAF8-1120-4869-B1EC-9D010EF77D65}" type="datetimeFigureOut">
               <a:rPr lang="zh-CN" altLang="en-US" smtClean="0"/>
               <a:pPr/>
-              <a:t>2020/4/21</a:t>
+              <a:t>2020/4/22</a:t>
             </a:fld>
             <a:endParaRPr lang="zh-CN" altLang="en-US"/>
           </a:p>
@@ -8076,7 +8076,7 @@
             <a:fld id="{EF50BAF8-1120-4869-B1EC-9D010EF77D65}" type="datetimeFigureOut">
               <a:rPr lang="zh-CN" altLang="en-US" smtClean="0"/>
               <a:pPr/>
-              <a:t>2020/4/21</a:t>
+              <a:t>2020/4/22</a:t>
             </a:fld>
             <a:endParaRPr lang="zh-CN" altLang="en-US"/>
           </a:p>
@@ -8246,7 +8246,7 @@
             <a:fld id="{EF50BAF8-1120-4869-B1EC-9D010EF77D65}" type="datetimeFigureOut">
               <a:rPr lang="zh-CN" altLang="en-US" smtClean="0"/>
               <a:pPr/>
-              <a:t>2020/4/21</a:t>
+              <a:t>2020/4/22</a:t>
             </a:fld>
             <a:endParaRPr lang="zh-CN" altLang="en-US"/>
           </a:p>
@@ -8426,7 +8426,7 @@
             <a:fld id="{EF50BAF8-1120-4869-B1EC-9D010EF77D65}" type="datetimeFigureOut">
               <a:rPr lang="zh-CN" altLang="en-US" smtClean="0"/>
               <a:pPr/>
-              <a:t>2020/4/21</a:t>
+              <a:t>2020/4/22</a:t>
             </a:fld>
             <a:endParaRPr lang="zh-CN" altLang="en-US"/>
           </a:p>
@@ -8694,7 +8694,7 @@
             <a:fld id="{530820CF-B880-4189-942D-D702A7CBA730}" type="datetimeFigureOut">
               <a:rPr lang="zh-CN" altLang="en-US" smtClean="0"/>
               <a:pPr/>
-              <a:t>2020/4/21</a:t>
+              <a:t>2020/4/22</a:t>
             </a:fld>
             <a:endParaRPr lang="zh-CN" altLang="en-US"/>
           </a:p>
@@ -9292,7 +9292,7 @@
             <a:fld id="{530820CF-B880-4189-942D-D702A7CBA730}" type="datetimeFigureOut">
               <a:rPr lang="zh-CN" altLang="en-US" smtClean="0"/>
               <a:pPr/>
-              <a:t>2020/4/21</a:t>
+              <a:t>2020/4/22</a:t>
             </a:fld>
             <a:endParaRPr lang="zh-CN" altLang="en-US"/>
           </a:p>
@@ -9566,7 +9566,7 @@
             <a:fld id="{530820CF-B880-4189-942D-D702A7CBA730}" type="datetimeFigureOut">
               <a:rPr lang="zh-CN" altLang="en-US" smtClean="0"/>
               <a:pPr/>
-              <a:t>2020/4/21</a:t>
+              <a:t>2020/4/22</a:t>
             </a:fld>
             <a:endParaRPr lang="zh-CN" altLang="en-US"/>
           </a:p>
@@ -9974,7 +9974,7 @@
             <a:fld id="{530820CF-B880-4189-942D-D702A7CBA730}" type="datetimeFigureOut">
               <a:rPr lang="zh-CN" altLang="en-US" smtClean="0"/>
               <a:pPr/>
-              <a:t>2020/4/21</a:t>
+              <a:t>2020/4/22</a:t>
             </a:fld>
             <a:endParaRPr lang="zh-CN" altLang="en-US"/>
           </a:p>
@@ -10117,7 +10117,7 @@
             <a:fld id="{530820CF-B880-4189-942D-D702A7CBA730}" type="datetimeFigureOut">
               <a:rPr lang="zh-CN" altLang="en-US" smtClean="0"/>
               <a:pPr/>
-              <a:t>2020/4/21</a:t>
+              <a:t>2020/4/22</a:t>
             </a:fld>
             <a:endParaRPr lang="zh-CN" altLang="en-US"/>
           </a:p>
@@ -10233,7 +10233,7 @@
             <a:fld id="{530820CF-B880-4189-942D-D702A7CBA730}" type="datetimeFigureOut">
               <a:rPr lang="zh-CN" altLang="en-US" smtClean="0"/>
               <a:pPr/>
-              <a:t>2020/4/21</a:t>
+              <a:t>2020/4/22</a:t>
             </a:fld>
             <a:endParaRPr lang="zh-CN" altLang="en-US"/>
           </a:p>
@@ -10529,7 +10529,7 @@
             <a:fld id="{530820CF-B880-4189-942D-D702A7CBA730}" type="datetimeFigureOut">
               <a:rPr lang="zh-CN" altLang="en-US" smtClean="0"/>
               <a:pPr/>
-              <a:t>2020/4/21</a:t>
+              <a:t>2020/4/22</a:t>
             </a:fld>
             <a:endParaRPr lang="zh-CN" altLang="en-US"/>
           </a:p>
@@ -11193,7 +11193,7 @@
             <a:fld id="{EF50BAF8-1120-4869-B1EC-9D010EF77D65}" type="datetimeFigureOut">
               <a:rPr lang="zh-CN" altLang="en-US" smtClean="0"/>
               <a:pPr/>
-              <a:t>2020/4/21</a:t>
+              <a:t>2020/4/22</a:t>
             </a:fld>
             <a:endParaRPr lang="zh-CN" altLang="en-US"/>
           </a:p>
@@ -12276,15 +12276,7 @@
           <a:p>
             <a:r>
               <a:rPr lang="en-US" altLang="zh-CN" sz="2400" dirty="0"/>
-              <a:t>SIMD and SIMT are </a:t>
-            </a:r>
-            <a:r>
-              <a:rPr lang="en-US" altLang="zh-CN" sz="2400"/>
-              <a:t>suitable for </a:t>
-            </a:r>
-            <a:r>
-              <a:rPr lang="en-US" altLang="zh-CN" sz="2400" dirty="0"/>
-              <a:t>data-parallel applications, e.g., graphics, multimedia, scientific computing, machine learning…</a:t>
+              <a:t>SIMD and SIMT are suitable for data-parallel applications, e.g., graphics, multimedia, scientific computing, machine learning…</a:t>
             </a:r>
           </a:p>
           <a:p>
@@ -14278,7 +14270,7 @@
         <p:spPr/>
         <p:txBody>
           <a:bodyPr>
-            <a:normAutofit lnSpcReduction="10000"/>
+            <a:normAutofit/>
           </a:bodyPr>
           <a:lstStyle/>
           <a:p>
